--- a/Documentação/Apresentação.pptx
+++ b/Documentação/Apresentação.pptx
@@ -5,11 +5,15 @@
     <p:sldMasterId id="2147483648" r:id="rId1"/>
   </p:sldMasterIdLst>
   <p:notesMasterIdLst>
-    <p:notesMasterId r:id="rId4"/>
+    <p:notesMasterId r:id="rId8"/>
   </p:notesMasterIdLst>
   <p:sldIdLst>
     <p:sldId id="256" r:id="rId2"/>
     <p:sldId id="257" r:id="rId3"/>
+    <p:sldId id="258" r:id="rId4"/>
+    <p:sldId id="259" r:id="rId5"/>
+    <p:sldId id="260" r:id="rId6"/>
+    <p:sldId id="261" r:id="rId7"/>
   </p:sldIdLst>
   <p:sldSz cx="12192000" cy="6858000"/>
   <p:notesSz cx="6858000" cy="9144000"/>
@@ -108,6 +112,11 @@
       </a:defRPr>
     </a:lvl9pPr>
   </p:defaultTextStyle>
+  <p:extLst>
+    <p:ext uri="{EFAFB233-063F-42B5-8137-9DF3F51BA10A}">
+      <p15:sldGuideLst xmlns:p15="http://schemas.microsoft.com/office/powerpoint/2012/main"/>
+    </p:ext>
+  </p:extLst>
 </p:presentation>
 </file>
 
@@ -193,7 +202,7 @@
           <a:p>
             <a:fld id="{91B8D74C-A649-48AF-BC93-2291A81628C3}" type="datetimeFigureOut">
               <a:rPr lang="pt-BR" smtClean="0"/>
-              <a:t>21/10/2020</a:t>
+              <a:t>25/11/2020</a:t>
             </a:fld>
             <a:endParaRPr lang="pt-BR"/>
           </a:p>
@@ -544,6 +553,90 @@
 </p:notes>
 </file>
 
+<file path=ppt/notesSlides/notesSlide2.xml><?xml version="1.0" encoding="utf-8"?>
+<p:notes xmlns:a="http://schemas.openxmlformats.org/drawingml/2006/main" xmlns:r="http://schemas.openxmlformats.org/officeDocument/2006/relationships" xmlns:p="http://schemas.openxmlformats.org/presentationml/2006/main">
+  <p:cSld>
+    <p:spTree>
+      <p:nvGrpSpPr>
+        <p:cNvPr id="1" name=""/>
+        <p:cNvGrpSpPr/>
+        <p:nvPr/>
+      </p:nvGrpSpPr>
+      <p:grpSpPr>
+        <a:xfrm>
+          <a:off x="0" y="0"/>
+          <a:ext cx="0" cy="0"/>
+          <a:chOff x="0" y="0"/>
+          <a:chExt cx="0" cy="0"/>
+        </a:xfrm>
+      </p:grpSpPr>
+      <p:sp>
+        <p:nvSpPr>
+          <p:cNvPr id="2" name="Espaço Reservado para Imagem de Slide 1"/>
+          <p:cNvSpPr>
+            <a:spLocks noGrp="1" noRot="1" noChangeAspect="1"/>
+          </p:cNvSpPr>
+          <p:nvPr>
+            <p:ph type="sldImg"/>
+          </p:nvPr>
+        </p:nvSpPr>
+        <p:spPr/>
+      </p:sp>
+      <p:sp>
+        <p:nvSpPr>
+          <p:cNvPr id="3" name="Espaço Reservado para Anotações 2"/>
+          <p:cNvSpPr>
+            <a:spLocks noGrp="1"/>
+          </p:cNvSpPr>
+          <p:nvPr>
+            <p:ph type="body" idx="1"/>
+          </p:nvPr>
+        </p:nvSpPr>
+        <p:spPr/>
+        <p:txBody>
+          <a:bodyPr/>
+          <a:lstStyle/>
+          <a:p>
+            <a:endParaRPr lang="pt-BR" dirty="0"/>
+          </a:p>
+        </p:txBody>
+      </p:sp>
+      <p:sp>
+        <p:nvSpPr>
+          <p:cNvPr id="4" name="Espaço Reservado para Número de Slide 3"/>
+          <p:cNvSpPr>
+            <a:spLocks noGrp="1"/>
+          </p:cNvSpPr>
+          <p:nvPr>
+            <p:ph type="sldNum" sz="quarter" idx="5"/>
+          </p:nvPr>
+        </p:nvSpPr>
+        <p:spPr/>
+        <p:txBody>
+          <a:bodyPr/>
+          <a:lstStyle/>
+          <a:p>
+            <a:fld id="{E98867C0-95D1-4615-B85F-860CEB51DA9D}" type="slidenum">
+              <a:rPr lang="pt-BR" smtClean="0"/>
+              <a:t>3</a:t>
+            </a:fld>
+            <a:endParaRPr lang="pt-BR"/>
+          </a:p>
+        </p:txBody>
+      </p:sp>
+    </p:spTree>
+    <p:extLst>
+      <p:ext uri="{BB962C8B-B14F-4D97-AF65-F5344CB8AC3E}">
+        <p14:creationId xmlns:p14="http://schemas.microsoft.com/office/powerpoint/2010/main" val="3606869598"/>
+      </p:ext>
+    </p:extLst>
+  </p:cSld>
+  <p:clrMapOvr>
+    <a:masterClrMapping/>
+  </p:clrMapOvr>
+</p:notes>
+</file>
+
 <file path=ppt/slideLayouts/slideLayout1.xml><?xml version="1.0" encoding="utf-8"?>
 <p:sldLayout xmlns:a="http://schemas.openxmlformats.org/drawingml/2006/main" xmlns:r="http://schemas.openxmlformats.org/officeDocument/2006/relationships" xmlns:p="http://schemas.openxmlformats.org/presentationml/2006/main" type="title" preserve="1">
   <p:cSld name="Slide de Título">
@@ -691,7 +784,7 @@
           <a:p>
             <a:fld id="{B21D97B6-609F-461E-A7F0-E1C524C9E218}" type="datetimeFigureOut">
               <a:rPr lang="pt-BR" smtClean="0"/>
-              <a:t>21/10/2020</a:t>
+              <a:t>25/11/2020</a:t>
             </a:fld>
             <a:endParaRPr lang="pt-BR"/>
           </a:p>
@@ -889,7 +982,7 @@
           <a:p>
             <a:fld id="{B21D97B6-609F-461E-A7F0-E1C524C9E218}" type="datetimeFigureOut">
               <a:rPr lang="pt-BR" smtClean="0"/>
-              <a:t>21/10/2020</a:t>
+              <a:t>25/11/2020</a:t>
             </a:fld>
             <a:endParaRPr lang="pt-BR"/>
           </a:p>
@@ -1097,7 +1190,7 @@
           <a:p>
             <a:fld id="{B21D97B6-609F-461E-A7F0-E1C524C9E218}" type="datetimeFigureOut">
               <a:rPr lang="pt-BR" smtClean="0"/>
-              <a:t>21/10/2020</a:t>
+              <a:t>25/11/2020</a:t>
             </a:fld>
             <a:endParaRPr lang="pt-BR"/>
           </a:p>
@@ -1295,7 +1388,7 @@
           <a:p>
             <a:fld id="{B21D97B6-609F-461E-A7F0-E1C524C9E218}" type="datetimeFigureOut">
               <a:rPr lang="pt-BR" smtClean="0"/>
-              <a:t>21/10/2020</a:t>
+              <a:t>25/11/2020</a:t>
             </a:fld>
             <a:endParaRPr lang="pt-BR"/>
           </a:p>
@@ -1570,7 +1663,7 @@
           <a:p>
             <a:fld id="{B21D97B6-609F-461E-A7F0-E1C524C9E218}" type="datetimeFigureOut">
               <a:rPr lang="pt-BR" smtClean="0"/>
-              <a:t>21/10/2020</a:t>
+              <a:t>25/11/2020</a:t>
             </a:fld>
             <a:endParaRPr lang="pt-BR"/>
           </a:p>
@@ -1835,7 +1928,7 @@
           <a:p>
             <a:fld id="{B21D97B6-609F-461E-A7F0-E1C524C9E218}" type="datetimeFigureOut">
               <a:rPr lang="pt-BR" smtClean="0"/>
-              <a:t>21/10/2020</a:t>
+              <a:t>25/11/2020</a:t>
             </a:fld>
             <a:endParaRPr lang="pt-BR"/>
           </a:p>
@@ -2247,7 +2340,7 @@
           <a:p>
             <a:fld id="{B21D97B6-609F-461E-A7F0-E1C524C9E218}" type="datetimeFigureOut">
               <a:rPr lang="pt-BR" smtClean="0"/>
-              <a:t>21/10/2020</a:t>
+              <a:t>25/11/2020</a:t>
             </a:fld>
             <a:endParaRPr lang="pt-BR"/>
           </a:p>
@@ -2388,7 +2481,7 @@
           <a:p>
             <a:fld id="{B21D97B6-609F-461E-A7F0-E1C524C9E218}" type="datetimeFigureOut">
               <a:rPr lang="pt-BR" smtClean="0"/>
-              <a:t>21/10/2020</a:t>
+              <a:t>25/11/2020</a:t>
             </a:fld>
             <a:endParaRPr lang="pt-BR"/>
           </a:p>
@@ -2501,7 +2594,7 @@
           <a:p>
             <a:fld id="{B21D97B6-609F-461E-A7F0-E1C524C9E218}" type="datetimeFigureOut">
               <a:rPr lang="pt-BR" smtClean="0"/>
-              <a:t>21/10/2020</a:t>
+              <a:t>25/11/2020</a:t>
             </a:fld>
             <a:endParaRPr lang="pt-BR"/>
           </a:p>
@@ -2812,7 +2905,7 @@
           <a:p>
             <a:fld id="{B21D97B6-609F-461E-A7F0-E1C524C9E218}" type="datetimeFigureOut">
               <a:rPr lang="pt-BR" smtClean="0"/>
-              <a:t>21/10/2020</a:t>
+              <a:t>25/11/2020</a:t>
             </a:fld>
             <a:endParaRPr lang="pt-BR"/>
           </a:p>
@@ -3100,7 +3193,7 @@
           <a:p>
             <a:fld id="{B21D97B6-609F-461E-A7F0-E1C524C9E218}" type="datetimeFigureOut">
               <a:rPr lang="pt-BR" smtClean="0"/>
-              <a:t>21/10/2020</a:t>
+              <a:t>25/11/2020</a:t>
             </a:fld>
             <a:endParaRPr lang="pt-BR"/>
           </a:p>
@@ -3341,7 +3434,7 @@
           <a:p>
             <a:fld id="{B21D97B6-609F-461E-A7F0-E1C524C9E218}" type="datetimeFigureOut">
               <a:rPr lang="pt-BR" smtClean="0"/>
-              <a:t>21/10/2020</a:t>
+              <a:t>25/11/2020</a:t>
             </a:fld>
             <a:endParaRPr lang="pt-BR"/>
           </a:p>
@@ -3746,9 +3839,37 @@
   <p:cSld>
     <p:bg>
       <p:bgPr>
-        <a:solidFill>
-          <a:schemeClr val="bg1"/>
-        </a:solidFill>
+        <a:gradFill flip="none" rotWithShape="1">
+          <a:gsLst>
+            <a:gs pos="0">
+              <a:schemeClr val="accent3">
+                <a:alpha val="40000"/>
+                <a:lumMod val="13000"/>
+                <a:lumOff val="87000"/>
+              </a:schemeClr>
+            </a:gs>
+            <a:gs pos="74000">
+              <a:schemeClr val="accent3">
+                <a:lumMod val="45000"/>
+                <a:lumOff val="55000"/>
+              </a:schemeClr>
+            </a:gs>
+            <a:gs pos="83000">
+              <a:schemeClr val="accent3">
+                <a:lumMod val="45000"/>
+                <a:lumOff val="55000"/>
+              </a:schemeClr>
+            </a:gs>
+            <a:gs pos="100000">
+              <a:schemeClr val="accent3">
+                <a:lumMod val="30000"/>
+                <a:lumOff val="70000"/>
+              </a:schemeClr>
+            </a:gs>
+          </a:gsLst>
+          <a:lin ang="5400000" scaled="1"/>
+          <a:tileRect/>
+        </a:gradFill>
         <a:effectLst/>
       </p:bgPr>
     </p:bg>
@@ -3784,9 +3905,16 @@
         </p:nvSpPr>
         <p:spPr>
           <a:xfrm>
-            <a:off x="257907" y="1933807"/>
-            <a:ext cx="11676185" cy="3064370"/>
+            <a:off x="257907" y="2620737"/>
+            <a:ext cx="11676185" cy="2377440"/>
           </a:xfrm>
+          <a:effectLst>
+            <a:outerShdw blurRad="50800" dist="38100" dir="5400000" algn="t" rotWithShape="0">
+              <a:prstClr val="black">
+                <a:alpha val="40000"/>
+              </a:prstClr>
+            </a:outerShdw>
+          </a:effectLst>
         </p:spPr>
         <p:txBody>
           <a:bodyPr>
@@ -3794,24 +3922,8 @@
           </a:bodyPr>
           <a:lstStyle/>
           <a:p>
-            <a:br>
-              <a:rPr lang="pt-BR" sz="4400" dirty="0">
-                <a:solidFill>
-                  <a:schemeClr val="bg2">
-                    <a:lumMod val="10000"/>
-                  </a:schemeClr>
-                </a:solidFill>
-                <a:latin typeface="Aharoni" panose="02010803020104030203" pitchFamily="2" charset="-79"/>
-                <a:cs typeface="Aharoni" panose="02010803020104030203" pitchFamily="2" charset="-79"/>
-              </a:rPr>
-            </a:br>
             <a:r>
               <a:rPr lang="pt-BR" sz="5600" dirty="0">
-                <a:solidFill>
-                  <a:schemeClr val="bg2">
-                    <a:lumMod val="10000"/>
-                  </a:schemeClr>
-                </a:solidFill>
                 <a:latin typeface="Aharoni" panose="02010803020104030203" pitchFamily="2" charset="-79"/>
                 <a:cs typeface="Aharoni" panose="02010803020104030203" pitchFamily="2" charset="-79"/>
               </a:rPr>
@@ -3826,37 +3938,6 @@
                 </a:solidFill>
                 <a:latin typeface="Aharoni" panose="020B0604020202020204" pitchFamily="2" charset="-79"/>
                 <a:cs typeface="Aharoni" panose="020B0604020202020204" pitchFamily="2" charset="-79"/>
-              </a:rPr>
-            </a:br>
-            <a:br>
-              <a:rPr lang="pt-BR" sz="5000" b="1" dirty="0">
-                <a:latin typeface="Aharoni" panose="020B0604020202020204" pitchFamily="2" charset="-79"/>
-                <a:cs typeface="Aharoni" panose="020B0604020202020204" pitchFamily="2" charset="-79"/>
-              </a:rPr>
-            </a:br>
-            <a:r>
-              <a:rPr lang="pt-BR" sz="4400" b="1" dirty="0">
-                <a:solidFill>
-                  <a:schemeClr val="tx1">
-                    <a:lumMod val="85000"/>
-                    <a:lumOff val="15000"/>
-                  </a:schemeClr>
-                </a:solidFill>
-                <a:latin typeface="Aharoni" panose="02010803020104030203" pitchFamily="2" charset="-79"/>
-                <a:cs typeface="Aharoni" panose="02010803020104030203" pitchFamily="2" charset="-79"/>
-              </a:rPr>
-              <a:t>Site de Receitas Culinárias</a:t>
-            </a:r>
-            <a:br>
-              <a:rPr lang="pt-BR" sz="5000" b="1" dirty="0">
-                <a:solidFill>
-                  <a:schemeClr val="tx1">
-                    <a:lumMod val="85000"/>
-                    <a:lumOff val="15000"/>
-                  </a:schemeClr>
-                </a:solidFill>
-                <a:latin typeface="Aharoni" panose="02010803020104030203" pitchFamily="2" charset="-79"/>
-                <a:cs typeface="Aharoni" panose="02010803020104030203" pitchFamily="2" charset="-79"/>
               </a:rPr>
             </a:br>
             <a:br>
@@ -3872,39 +3953,22 @@
               </a:rPr>
             </a:br>
             <a:r>
-              <a:rPr lang="pt-BR" sz="5000" b="1" dirty="0">
-                <a:solidFill>
-                  <a:schemeClr val="tx1">
-                    <a:lumMod val="85000"/>
-                    <a:lumOff val="15000"/>
-                  </a:schemeClr>
-                </a:solidFill>
-                <a:latin typeface="Aharoni" panose="02010803020104030203" pitchFamily="2" charset="-79"/>
+              <a:rPr lang="pt-BR" sz="10700" b="1" dirty="0">
+                <a:latin typeface="Robusta" pitchFamily="2" charset="0"/>
                 <a:cs typeface="Aharoni" panose="02010803020104030203" pitchFamily="2" charset="-79"/>
               </a:rPr>
               <a:t>“</a:t>
             </a:r>
             <a:r>
-              <a:rPr lang="pt-BR" sz="5000" b="1" u="sng" dirty="0">
-                <a:solidFill>
-                  <a:schemeClr val="bg2">
-                    <a:lumMod val="25000"/>
-                  </a:schemeClr>
-                </a:solidFill>
-                <a:latin typeface="Aharoni" panose="02010803020104030203" pitchFamily="2" charset="-79"/>
+              <a:rPr lang="pt-BR" sz="10700" dirty="0">
+                <a:latin typeface="Robusta" pitchFamily="2" charset="0"/>
                 <a:cs typeface="Aharoni" panose="02010803020104030203" pitchFamily="2" charset="-79"/>
               </a:rPr>
               <a:t>Chef Help</a:t>
             </a:r>
             <a:r>
-              <a:rPr lang="pt-BR" sz="5000" b="1" dirty="0">
-                <a:solidFill>
-                  <a:schemeClr val="tx1">
-                    <a:lumMod val="85000"/>
-                    <a:lumOff val="15000"/>
-                  </a:schemeClr>
-                </a:solidFill>
-                <a:latin typeface="Aharoni" panose="02010803020104030203" pitchFamily="2" charset="-79"/>
+              <a:rPr lang="pt-BR" sz="10700" b="1" dirty="0">
+                <a:latin typeface="Robusta" pitchFamily="2" charset="0"/>
                 <a:cs typeface="Aharoni" panose="02010803020104030203" pitchFamily="2" charset="-79"/>
               </a:rPr>
               <a:t>”</a:t>
@@ -3958,13 +4022,21 @@
         </p:spPr>
         <p:txBody>
           <a:bodyPr>
-            <a:normAutofit lnSpcReduction="10000"/>
+            <a:noAutofit/>
           </a:bodyPr>
           <a:lstStyle/>
           <a:p>
             <a:pPr algn="l"/>
             <a:r>
-              <a:rPr lang="pt-BR" b="1" dirty="0"/>
+              <a:rPr lang="pt-BR" b="1" dirty="0">
+                <a:effectLst>
+                  <a:outerShdw blurRad="38100" dist="38100" dir="2700000" algn="tl">
+                    <a:srgbClr val="000000">
+                      <a:alpha val="43137"/>
+                    </a:srgbClr>
+                  </a:outerShdw>
+                </a:effectLst>
+              </a:rPr>
               <a:t>Yuri Cruz – RA: 01202033</a:t>
             </a:r>
           </a:p>
@@ -3992,6 +4064,7 @@
           <a:prstGeom prst="line">
             <a:avLst/>
           </a:prstGeom>
+          <a:ln w="57150"/>
         </p:spPr>
         <p:style>
           <a:lnRef idx="1">
@@ -4028,6 +4101,7 @@
           <a:prstGeom prst="line">
             <a:avLst/>
           </a:prstGeom>
+          <a:ln w="38100"/>
         </p:spPr>
         <p:style>
           <a:lnRef idx="1">
@@ -4064,6 +4138,7 @@
           <a:prstGeom prst="line">
             <a:avLst/>
           </a:prstGeom>
+          <a:ln w="76200"/>
         </p:spPr>
         <p:style>
           <a:lnRef idx="1">
@@ -4100,6 +4175,7 @@
           <a:prstGeom prst="line">
             <a:avLst/>
           </a:prstGeom>
+          <a:ln w="76200"/>
         </p:spPr>
         <p:style>
           <a:lnRef idx="1">
@@ -4118,10 +4194,10 @@
       </p:cxnSp>
       <p:pic>
         <p:nvPicPr>
-          <p:cNvPr id="19" name="Gráfico 18" descr="Prato coberto">
-            <a:extLst>
-              <a:ext uri="{FF2B5EF4-FFF2-40B4-BE49-F238E27FC236}">
-                <a16:creationId xmlns:a16="http://schemas.microsoft.com/office/drawing/2014/main" id="{E8D83080-92CF-4990-8084-68415E8D16E7}"/>
+          <p:cNvPr id="23" name="Gráfico 22" descr="Garfo e Faca">
+            <a:extLst>
+              <a:ext uri="{FF2B5EF4-FFF2-40B4-BE49-F238E27FC236}">
+                <a16:creationId xmlns:a16="http://schemas.microsoft.com/office/drawing/2014/main" id="{44F6046C-6D3B-4910-A826-347CCE8576CD}"/>
               </a:ext>
             </a:extLst>
           </p:cNvPr>
@@ -4138,45 +4214,6 @@
               </a:ext>
               <a:ext uri="{96DAC541-7B7A-43D3-8B79-37D633B846F1}">
                 <asvg:svgBlip xmlns:asvg="http://schemas.microsoft.com/office/drawing/2016/SVG/main" r:embed="rId4"/>
-              </a:ext>
-            </a:extLst>
-          </a:blip>
-          <a:stretch>
-            <a:fillRect/>
-          </a:stretch>
-        </p:blipFill>
-        <p:spPr>
-          <a:xfrm>
-            <a:off x="1624820" y="5232567"/>
-            <a:ext cx="1371599" cy="1625433"/>
-          </a:xfrm>
-          <a:prstGeom prst="rect">
-            <a:avLst/>
-          </a:prstGeom>
-        </p:spPr>
-      </p:pic>
-      <p:pic>
-        <p:nvPicPr>
-          <p:cNvPr id="23" name="Gráfico 22" descr="Garfo e Faca">
-            <a:extLst>
-              <a:ext uri="{FF2B5EF4-FFF2-40B4-BE49-F238E27FC236}">
-                <a16:creationId xmlns:a16="http://schemas.microsoft.com/office/drawing/2014/main" id="{44F6046C-6D3B-4910-A826-347CCE8576CD}"/>
-              </a:ext>
-            </a:extLst>
-          </p:cNvPr>
-          <p:cNvPicPr>
-            <a:picLocks noChangeAspect="1"/>
-          </p:cNvPicPr>
-          <p:nvPr/>
-        </p:nvPicPr>
-        <p:blipFill>
-          <a:blip r:embed="rId5">
-            <a:extLst>
-              <a:ext uri="{28A0092B-C50C-407E-A947-70E740481C1C}">
-                <a14:useLocalDpi xmlns:a14="http://schemas.microsoft.com/office/drawing/2010/main" val="0"/>
-              </a:ext>
-              <a:ext uri="{96DAC541-7B7A-43D3-8B79-37D633B846F1}">
-                <asvg:svgBlip xmlns:asvg="http://schemas.microsoft.com/office/drawing/2016/SVG/main" r:embed="rId6"/>
               </a:ext>
             </a:extLst>
           </a:blip>
@@ -4192,6 +4229,13 @@
           <a:prstGeom prst="rect">
             <a:avLst/>
           </a:prstGeom>
+          <a:effectLst>
+            <a:outerShdw blurRad="50800" dist="38100" dir="8100000" algn="tr" rotWithShape="0">
+              <a:prstClr val="black">
+                <a:alpha val="40000"/>
+              </a:prstClr>
+            </a:outerShdw>
+          </a:effectLst>
         </p:spPr>
       </p:pic>
       <p:pic>
@@ -4209,13 +4253,13 @@
           <p:nvPr/>
         </p:nvPicPr>
         <p:blipFill>
-          <a:blip r:embed="rId7">
+          <a:blip r:embed="rId5">
             <a:extLst>
               <a:ext uri="{28A0092B-C50C-407E-A947-70E740481C1C}">
                 <a14:useLocalDpi xmlns:a14="http://schemas.microsoft.com/office/drawing/2010/main" val="0"/>
               </a:ext>
               <a:ext uri="{96DAC541-7B7A-43D3-8B79-37D633B846F1}">
-                <asvg:svgBlip xmlns:asvg="http://schemas.microsoft.com/office/drawing/2016/SVG/main" r:embed="rId8"/>
+                <asvg:svgBlip xmlns:asvg="http://schemas.microsoft.com/office/drawing/2016/SVG/main" r:embed="rId6"/>
               </a:ext>
             </a:extLst>
           </a:blip>
@@ -4231,14 +4275,67 @@
           <a:prstGeom prst="rect">
             <a:avLst/>
           </a:prstGeom>
+          <a:effectLst>
+            <a:outerShdw blurRad="50800" dist="38100" algn="l" rotWithShape="0">
+              <a:prstClr val="black">
+                <a:alpha val="40000"/>
+              </a:prstClr>
+            </a:outerShdw>
+          </a:effectLst>
         </p:spPr>
       </p:pic>
       <p:pic>
         <p:nvPicPr>
-          <p:cNvPr id="27" name="Gráfico 26" descr="Queijo">
-            <a:extLst>
-              <a:ext uri="{FF2B5EF4-FFF2-40B4-BE49-F238E27FC236}">
-                <a16:creationId xmlns:a16="http://schemas.microsoft.com/office/drawing/2014/main" id="{24497610-A210-4FC1-AC7B-DC74A7EA2A52}"/>
+          <p:cNvPr id="5" name="Gráfico 4" descr="Baguete">
+            <a:extLst>
+              <a:ext uri="{FF2B5EF4-FFF2-40B4-BE49-F238E27FC236}">
+                <a16:creationId xmlns:a16="http://schemas.microsoft.com/office/drawing/2014/main" id="{503C42DD-453B-485F-8BA5-9B93BA3F41FE}"/>
+              </a:ext>
+            </a:extLst>
+          </p:cNvPr>
+          <p:cNvPicPr>
+            <a:picLocks noChangeAspect="1"/>
+          </p:cNvPicPr>
+          <p:nvPr/>
+        </p:nvPicPr>
+        <p:blipFill>
+          <a:blip r:embed="rId7">
+            <a:extLst>
+              <a:ext uri="{28A0092B-C50C-407E-A947-70E740481C1C}">
+                <a14:useLocalDpi xmlns:a14="http://schemas.microsoft.com/office/drawing/2010/main" val="0"/>
+              </a:ext>
+              <a:ext uri="{96DAC541-7B7A-43D3-8B79-37D633B846F1}">
+                <asvg:svgBlip xmlns:asvg="http://schemas.microsoft.com/office/drawing/2016/SVG/main" r:embed="rId8"/>
+              </a:ext>
+            </a:extLst>
+          </a:blip>
+          <a:stretch>
+            <a:fillRect/>
+          </a:stretch>
+        </p:blipFill>
+        <p:spPr>
+          <a:xfrm>
+            <a:off x="1800155" y="5546426"/>
+            <a:ext cx="1291884" cy="1291884"/>
+          </a:xfrm>
+          <a:prstGeom prst="rect">
+            <a:avLst/>
+          </a:prstGeom>
+          <a:effectLst>
+            <a:outerShdw blurRad="50800" dist="38100" dir="13500000" algn="br" rotWithShape="0">
+              <a:prstClr val="black">
+                <a:alpha val="40000"/>
+              </a:prstClr>
+            </a:outerShdw>
+          </a:effectLst>
+        </p:spPr>
+      </p:pic>
+      <p:pic>
+        <p:nvPicPr>
+          <p:cNvPr id="7" name="Gráfico 6" descr="Fatia de bolo">
+            <a:extLst>
+              <a:ext uri="{FF2B5EF4-FFF2-40B4-BE49-F238E27FC236}">
+                <a16:creationId xmlns:a16="http://schemas.microsoft.com/office/drawing/2014/main" id="{A3496075-682D-4AFD-9945-7FF317A50E01}"/>
               </a:ext>
             </a:extLst>
           </p:cNvPr>
@@ -4264,12 +4361,19 @@
         </p:blipFill>
         <p:spPr>
           <a:xfrm>
-            <a:off x="10170094" y="20277"/>
-            <a:ext cx="1617339" cy="1617339"/>
+            <a:off x="9840351" y="73984"/>
+            <a:ext cx="1297507" cy="1297507"/>
           </a:xfrm>
           <a:prstGeom prst="rect">
             <a:avLst/>
           </a:prstGeom>
+          <a:effectLst>
+            <a:outerShdw blurRad="50800" dist="38100" dir="10800000" algn="r" rotWithShape="0">
+              <a:prstClr val="black">
+                <a:alpha val="40000"/>
+              </a:prstClr>
+            </a:outerShdw>
+          </a:effectLst>
         </p:spPr>
       </p:pic>
     </p:spTree>
@@ -4379,15 +4483,689 @@
                 <a:latin typeface="Aharoni" panose="02010803020104030203" pitchFamily="2" charset="-79"/>
                 <a:cs typeface="Aharoni" panose="02010803020104030203" pitchFamily="2" charset="-79"/>
               </a:rPr>
-              <a:t>Em qual momento da minha vida, despertou o interesse em culinária?</a:t>
-            </a:r>
-          </a:p>
-        </p:txBody>
-      </p:sp>
+              <a:t>Em qual momento da minha vida, despertou o interesse em culinária? </a:t>
+            </a:r>
+          </a:p>
+        </p:txBody>
+      </p:sp>
+      <p:pic>
+        <p:nvPicPr>
+          <p:cNvPr id="4" name="Imagem 3" descr="Imagem em preto e branco&#10;&#10;Descrição gerada automaticamente">
+            <a:extLst>
+              <a:ext uri="{FF2B5EF4-FFF2-40B4-BE49-F238E27FC236}">
+                <a16:creationId xmlns:a16="http://schemas.microsoft.com/office/drawing/2014/main" id="{A3C15DCA-9F8D-4469-A2F2-32246CFFC636}"/>
+              </a:ext>
+            </a:extLst>
+          </p:cNvPr>
+          <p:cNvPicPr>
+            <a:picLocks noChangeAspect="1"/>
+          </p:cNvPicPr>
+          <p:nvPr/>
+        </p:nvPicPr>
+        <p:blipFill>
+          <a:blip r:embed="rId2">
+            <a:extLst>
+              <a:ext uri="{28A0092B-C50C-407E-A947-70E740481C1C}">
+                <a14:useLocalDpi xmlns:a14="http://schemas.microsoft.com/office/drawing/2010/main" val="0"/>
+              </a:ext>
+            </a:extLst>
+          </a:blip>
+          <a:stretch>
+            <a:fillRect/>
+          </a:stretch>
+        </p:blipFill>
+        <p:spPr>
+          <a:xfrm>
+            <a:off x="5899055" y="990600"/>
+            <a:ext cx="4876800" cy="4876800"/>
+          </a:xfrm>
+          <a:prstGeom prst="rect">
+            <a:avLst/>
+          </a:prstGeom>
+        </p:spPr>
+      </p:pic>
     </p:spTree>
     <p:extLst>
       <p:ext uri="{BB962C8B-B14F-4D97-AF65-F5344CB8AC3E}">
         <p14:creationId xmlns:p14="http://schemas.microsoft.com/office/powerpoint/2010/main" val="4056601443"/>
+      </p:ext>
+    </p:extLst>
+  </p:cSld>
+  <p:clrMapOvr>
+    <a:masterClrMapping/>
+  </p:clrMapOvr>
+</p:sld>
+</file>
+
+<file path=ppt/slides/slide3.xml><?xml version="1.0" encoding="utf-8"?>
+<p:sld xmlns:a="http://schemas.openxmlformats.org/drawingml/2006/main" xmlns:r="http://schemas.openxmlformats.org/officeDocument/2006/relationships" xmlns:p="http://schemas.openxmlformats.org/presentationml/2006/main">
+  <p:cSld>
+    <p:spTree>
+      <p:nvGrpSpPr>
+        <p:cNvPr id="1" name=""/>
+        <p:cNvGrpSpPr/>
+        <p:nvPr/>
+      </p:nvGrpSpPr>
+      <p:grpSpPr>
+        <a:xfrm>
+          <a:off x="0" y="0"/>
+          <a:ext cx="0" cy="0"/>
+          <a:chOff x="0" y="0"/>
+          <a:chExt cx="0" cy="0"/>
+        </a:xfrm>
+      </p:grpSpPr>
+      <p:sp>
+        <p:nvSpPr>
+          <p:cNvPr id="8" name="Espaço Reservado para Conteúdo 2">
+            <a:extLst>
+              <a:ext uri="{FF2B5EF4-FFF2-40B4-BE49-F238E27FC236}">
+                <a16:creationId xmlns:a16="http://schemas.microsoft.com/office/drawing/2014/main" id="{EEF12169-7106-42DA-9537-2207C85B4D65}"/>
+              </a:ext>
+            </a:extLst>
+          </p:cNvPr>
+          <p:cNvSpPr>
+            <a:spLocks noGrp="1"/>
+          </p:cNvSpPr>
+          <p:nvPr>
+            <p:ph idx="1"/>
+          </p:nvPr>
+        </p:nvSpPr>
+        <p:spPr>
+          <a:xfrm>
+            <a:off x="8084234" y="0"/>
+            <a:ext cx="4107766" cy="6858000"/>
+          </a:xfrm>
+          <a:solidFill>
+            <a:schemeClr val="tx1"/>
+          </a:solidFill>
+        </p:spPr>
+        <p:style>
+          <a:lnRef idx="2">
+            <a:schemeClr val="dk1">
+              <a:shade val="50000"/>
+            </a:schemeClr>
+          </a:lnRef>
+          <a:fillRef idx="1">
+            <a:schemeClr val="dk1"/>
+          </a:fillRef>
+          <a:effectRef idx="0">
+            <a:schemeClr val="dk1"/>
+          </a:effectRef>
+          <a:fontRef idx="minor">
+            <a:schemeClr val="lt1"/>
+          </a:fontRef>
+        </p:style>
+        <p:txBody>
+          <a:bodyPr/>
+          <a:lstStyle/>
+          <a:p>
+            <a:endParaRPr lang="pt-BR" dirty="0"/>
+          </a:p>
+          <a:p>
+            <a:endParaRPr lang="pt-BR" dirty="0"/>
+          </a:p>
+          <a:p>
+            <a:pPr marL="0" indent="0">
+              <a:buNone/>
+            </a:pPr>
+            <a:endParaRPr lang="pt-BR" sz="3500" dirty="0">
+              <a:latin typeface="Aharoni" panose="02010803020104030203" pitchFamily="2" charset="-79"/>
+              <a:cs typeface="Aharoni" panose="02010803020104030203" pitchFamily="2" charset="-79"/>
+            </a:endParaRPr>
+          </a:p>
+          <a:p>
+            <a:pPr marL="0" indent="0">
+              <a:buNone/>
+            </a:pPr>
+            <a:endParaRPr lang="pt-BR" sz="3500" dirty="0">
+              <a:latin typeface="Aharoni" panose="02010803020104030203" pitchFamily="2" charset="-79"/>
+              <a:cs typeface="Aharoni" panose="02010803020104030203" pitchFamily="2" charset="-79"/>
+            </a:endParaRPr>
+          </a:p>
+          <a:p>
+            <a:pPr marL="0" indent="0">
+              <a:buNone/>
+            </a:pPr>
+            <a:r>
+              <a:rPr lang="pt-BR" sz="3500" dirty="0">
+                <a:latin typeface="Aharoni" panose="02010803020104030203" pitchFamily="2" charset="-79"/>
+                <a:cs typeface="Aharoni" panose="02010803020104030203" pitchFamily="2" charset="-79"/>
+              </a:rPr>
+              <a:t>Qual foi a minha maior superação nesse desafio?</a:t>
+            </a:r>
+          </a:p>
+        </p:txBody>
+      </p:sp>
+      <p:pic>
+        <p:nvPicPr>
+          <p:cNvPr id="10" name="Imagem 9" descr="Desenho de um cachorro&#10;&#10;Descrição gerada automaticamente">
+            <a:extLst>
+              <a:ext uri="{FF2B5EF4-FFF2-40B4-BE49-F238E27FC236}">
+                <a16:creationId xmlns:a16="http://schemas.microsoft.com/office/drawing/2014/main" id="{F1E4E83F-0265-49D6-831F-FD325138FBC9}"/>
+              </a:ext>
+            </a:extLst>
+          </p:cNvPr>
+          <p:cNvPicPr>
+            <a:picLocks noChangeAspect="1"/>
+          </p:cNvPicPr>
+          <p:nvPr/>
+        </p:nvPicPr>
+        <p:blipFill>
+          <a:blip r:embed="rId3">
+            <a:extLst>
+              <a:ext uri="{28A0092B-C50C-407E-A947-70E740481C1C}">
+                <a14:useLocalDpi xmlns:a14="http://schemas.microsoft.com/office/drawing/2010/main" val="0"/>
+              </a:ext>
+            </a:extLst>
+          </a:blip>
+          <a:stretch>
+            <a:fillRect/>
+          </a:stretch>
+        </p:blipFill>
+        <p:spPr>
+          <a:xfrm>
+            <a:off x="0" y="2630658"/>
+            <a:ext cx="5272933" cy="4227342"/>
+          </a:xfrm>
+          <a:prstGeom prst="rect">
+            <a:avLst/>
+          </a:prstGeom>
+        </p:spPr>
+      </p:pic>
+    </p:spTree>
+    <p:extLst>
+      <p:ext uri="{BB962C8B-B14F-4D97-AF65-F5344CB8AC3E}">
+        <p14:creationId xmlns:p14="http://schemas.microsoft.com/office/powerpoint/2010/main" val="751720263"/>
+      </p:ext>
+    </p:extLst>
+  </p:cSld>
+  <p:clrMapOvr>
+    <a:masterClrMapping/>
+  </p:clrMapOvr>
+</p:sld>
+</file>
+
+<file path=ppt/slides/slide4.xml><?xml version="1.0" encoding="utf-8"?>
+<p:sld xmlns:a="http://schemas.openxmlformats.org/drawingml/2006/main" xmlns:r="http://schemas.openxmlformats.org/officeDocument/2006/relationships" xmlns:p="http://schemas.openxmlformats.org/presentationml/2006/main">
+  <p:cSld>
+    <p:spTree>
+      <p:nvGrpSpPr>
+        <p:cNvPr id="1" name=""/>
+        <p:cNvGrpSpPr/>
+        <p:nvPr/>
+      </p:nvGrpSpPr>
+      <p:grpSpPr>
+        <a:xfrm>
+          <a:off x="0" y="0"/>
+          <a:ext cx="0" cy="0"/>
+          <a:chOff x="0" y="0"/>
+          <a:chExt cx="0" cy="0"/>
+        </a:xfrm>
+      </p:grpSpPr>
+      <p:sp>
+        <p:nvSpPr>
+          <p:cNvPr id="4" name="Espaço Reservado para Conteúdo 2">
+            <a:extLst>
+              <a:ext uri="{FF2B5EF4-FFF2-40B4-BE49-F238E27FC236}">
+                <a16:creationId xmlns:a16="http://schemas.microsoft.com/office/drawing/2014/main" id="{996097CB-B90B-4C9E-A775-3E7C4F9F1A41}"/>
+              </a:ext>
+            </a:extLst>
+          </p:cNvPr>
+          <p:cNvSpPr>
+            <a:spLocks noGrp="1"/>
+          </p:cNvSpPr>
+          <p:nvPr>
+            <p:ph idx="1"/>
+          </p:nvPr>
+        </p:nvSpPr>
+        <p:spPr>
+          <a:xfrm>
+            <a:off x="0" y="0"/>
+            <a:ext cx="4107766" cy="6858000"/>
+          </a:xfrm>
+          <a:solidFill>
+            <a:schemeClr val="tx1"/>
+          </a:solidFill>
+        </p:spPr>
+        <p:style>
+          <a:lnRef idx="2">
+            <a:schemeClr val="dk1">
+              <a:shade val="50000"/>
+            </a:schemeClr>
+          </a:lnRef>
+          <a:fillRef idx="1">
+            <a:schemeClr val="dk1"/>
+          </a:fillRef>
+          <a:effectRef idx="0">
+            <a:schemeClr val="dk1"/>
+          </a:effectRef>
+          <a:fontRef idx="minor">
+            <a:schemeClr val="lt1"/>
+          </a:fontRef>
+        </p:style>
+        <p:txBody>
+          <a:bodyPr/>
+          <a:lstStyle/>
+          <a:p>
+            <a:endParaRPr lang="pt-BR" dirty="0"/>
+          </a:p>
+          <a:p>
+            <a:endParaRPr lang="pt-BR" dirty="0"/>
+          </a:p>
+          <a:p>
+            <a:pPr marL="0" indent="0">
+              <a:buNone/>
+            </a:pPr>
+            <a:endParaRPr lang="pt-BR" sz="3500" dirty="0">
+              <a:latin typeface="Aharoni" panose="02010803020104030203" pitchFamily="2" charset="-79"/>
+              <a:cs typeface="Aharoni" panose="02010803020104030203" pitchFamily="2" charset="-79"/>
+            </a:endParaRPr>
+          </a:p>
+          <a:p>
+            <a:pPr marL="0" indent="0">
+              <a:buNone/>
+            </a:pPr>
+            <a:endParaRPr lang="pt-BR" sz="3500" dirty="0">
+              <a:latin typeface="Aharoni" panose="02010803020104030203" pitchFamily="2" charset="-79"/>
+              <a:cs typeface="Aharoni" panose="02010803020104030203" pitchFamily="2" charset="-79"/>
+            </a:endParaRPr>
+          </a:p>
+          <a:p>
+            <a:pPr marL="0" indent="0">
+              <a:buNone/>
+            </a:pPr>
+            <a:endParaRPr lang="pt-BR" sz="3500" dirty="0">
+              <a:latin typeface="Aharoni" panose="02010803020104030203" pitchFamily="2" charset="-79"/>
+              <a:cs typeface="Aharoni" panose="02010803020104030203" pitchFamily="2" charset="-79"/>
+            </a:endParaRPr>
+          </a:p>
+          <a:p>
+            <a:pPr marL="0" indent="0">
+              <a:buNone/>
+            </a:pPr>
+            <a:r>
+              <a:rPr lang="pt-BR" sz="3500" dirty="0">
+                <a:latin typeface="Aharoni" panose="02010803020104030203" pitchFamily="2" charset="-79"/>
+                <a:cs typeface="Aharoni" panose="02010803020104030203" pitchFamily="2" charset="-79"/>
+              </a:rPr>
+              <a:t>Qual foi a minha maior dificuldade neste desafio?</a:t>
+            </a:r>
+          </a:p>
+        </p:txBody>
+      </p:sp>
+      <p:pic>
+        <p:nvPicPr>
+          <p:cNvPr id="6" name="Imagem 5" descr="Imagem em preto e branco&#10;&#10;Descrição gerada automaticamente">
+            <a:extLst>
+              <a:ext uri="{FF2B5EF4-FFF2-40B4-BE49-F238E27FC236}">
+                <a16:creationId xmlns:a16="http://schemas.microsoft.com/office/drawing/2014/main" id="{E79C1E1F-09E5-4EC5-9246-EBFEF160600A}"/>
+              </a:ext>
+            </a:extLst>
+          </p:cNvPr>
+          <p:cNvPicPr>
+            <a:picLocks noChangeAspect="1"/>
+          </p:cNvPicPr>
+          <p:nvPr/>
+        </p:nvPicPr>
+        <p:blipFill>
+          <a:blip r:embed="rId2">
+            <a:extLst>
+              <a:ext uri="{28A0092B-C50C-407E-A947-70E740481C1C}">
+                <a14:useLocalDpi xmlns:a14="http://schemas.microsoft.com/office/drawing/2010/main" val="0"/>
+              </a:ext>
+            </a:extLst>
+          </a:blip>
+          <a:stretch>
+            <a:fillRect/>
+          </a:stretch>
+        </p:blipFill>
+        <p:spPr>
+          <a:xfrm>
+            <a:off x="5731678" y="1867660"/>
+            <a:ext cx="5157019" cy="5157019"/>
+          </a:xfrm>
+          <a:prstGeom prst="rect">
+            <a:avLst/>
+          </a:prstGeom>
+        </p:spPr>
+      </p:pic>
+    </p:spTree>
+    <p:extLst>
+      <p:ext uri="{BB962C8B-B14F-4D97-AF65-F5344CB8AC3E}">
+        <p14:creationId xmlns:p14="http://schemas.microsoft.com/office/powerpoint/2010/main" val="203782891"/>
+      </p:ext>
+    </p:extLst>
+  </p:cSld>
+  <p:clrMapOvr>
+    <a:masterClrMapping/>
+  </p:clrMapOvr>
+</p:sld>
+</file>
+
+<file path=ppt/slides/slide5.xml><?xml version="1.0" encoding="utf-8"?>
+<p:sld xmlns:a="http://schemas.openxmlformats.org/drawingml/2006/main" xmlns:r="http://schemas.openxmlformats.org/officeDocument/2006/relationships" xmlns:p="http://schemas.openxmlformats.org/presentationml/2006/main">
+  <p:cSld>
+    <p:spTree>
+      <p:nvGrpSpPr>
+        <p:cNvPr id="1" name=""/>
+        <p:cNvGrpSpPr/>
+        <p:nvPr/>
+      </p:nvGrpSpPr>
+      <p:grpSpPr>
+        <a:xfrm>
+          <a:off x="0" y="0"/>
+          <a:ext cx="0" cy="0"/>
+          <a:chOff x="0" y="0"/>
+          <a:chExt cx="0" cy="0"/>
+        </a:xfrm>
+      </p:grpSpPr>
+      <p:sp>
+        <p:nvSpPr>
+          <p:cNvPr id="4" name="Espaço Reservado para Conteúdo 2">
+            <a:extLst>
+              <a:ext uri="{FF2B5EF4-FFF2-40B4-BE49-F238E27FC236}">
+                <a16:creationId xmlns:a16="http://schemas.microsoft.com/office/drawing/2014/main" id="{D670E8F2-409F-4767-B329-AF62BCEDC919}"/>
+              </a:ext>
+            </a:extLst>
+          </p:cNvPr>
+          <p:cNvSpPr>
+            <a:spLocks noGrp="1"/>
+          </p:cNvSpPr>
+          <p:nvPr>
+            <p:ph idx="1"/>
+          </p:nvPr>
+        </p:nvSpPr>
+        <p:spPr>
+          <a:xfrm>
+            <a:off x="8084234" y="0"/>
+            <a:ext cx="4107766" cy="6858000"/>
+          </a:xfrm>
+          <a:solidFill>
+            <a:schemeClr val="tx1"/>
+          </a:solidFill>
+        </p:spPr>
+        <p:style>
+          <a:lnRef idx="2">
+            <a:schemeClr val="dk1">
+              <a:shade val="50000"/>
+            </a:schemeClr>
+          </a:lnRef>
+          <a:fillRef idx="1">
+            <a:schemeClr val="dk1"/>
+          </a:fillRef>
+          <a:effectRef idx="0">
+            <a:schemeClr val="dk1"/>
+          </a:effectRef>
+          <a:fontRef idx="minor">
+            <a:schemeClr val="lt1"/>
+          </a:fontRef>
+        </p:style>
+        <p:txBody>
+          <a:bodyPr/>
+          <a:lstStyle/>
+          <a:p>
+            <a:endParaRPr lang="pt-BR" dirty="0"/>
+          </a:p>
+          <a:p>
+            <a:endParaRPr lang="pt-BR" dirty="0"/>
+          </a:p>
+          <a:p>
+            <a:pPr marL="0" indent="0">
+              <a:buNone/>
+            </a:pPr>
+            <a:endParaRPr lang="pt-BR" sz="3500" dirty="0">
+              <a:latin typeface="Aharoni" panose="02010803020104030203" pitchFamily="2" charset="-79"/>
+              <a:cs typeface="Aharoni" panose="02010803020104030203" pitchFamily="2" charset="-79"/>
+            </a:endParaRPr>
+          </a:p>
+          <a:p>
+            <a:pPr marL="0" indent="0">
+              <a:buNone/>
+            </a:pPr>
+            <a:endParaRPr lang="pt-BR" sz="3500" dirty="0">
+              <a:latin typeface="Aharoni" panose="02010803020104030203" pitchFamily="2" charset="-79"/>
+              <a:cs typeface="Aharoni" panose="02010803020104030203" pitchFamily="2" charset="-79"/>
+            </a:endParaRPr>
+          </a:p>
+          <a:p>
+            <a:pPr marL="0" indent="0">
+              <a:buNone/>
+            </a:pPr>
+            <a:r>
+              <a:rPr lang="pt-BR" sz="3500" dirty="0">
+                <a:latin typeface="Aharoni" panose="02010803020104030203" pitchFamily="2" charset="-79"/>
+                <a:cs typeface="Aharoni" panose="02010803020104030203" pitchFamily="2" charset="-79"/>
+              </a:rPr>
+              <a:t>Há alguém que eu devo agradecer por me ajudar a chegar ao resultado final?</a:t>
+            </a:r>
+          </a:p>
+        </p:txBody>
+      </p:sp>
+      <p:pic>
+        <p:nvPicPr>
+          <p:cNvPr id="6" name="Imagem 5" descr="Texto&#10;&#10;Descrição gerada automaticamente">
+            <a:extLst>
+              <a:ext uri="{FF2B5EF4-FFF2-40B4-BE49-F238E27FC236}">
+                <a16:creationId xmlns:a16="http://schemas.microsoft.com/office/drawing/2014/main" id="{01AA5614-E2D5-4A1F-AA00-99F1292D1603}"/>
+              </a:ext>
+            </a:extLst>
+          </p:cNvPr>
+          <p:cNvPicPr>
+            <a:picLocks noChangeAspect="1"/>
+          </p:cNvPicPr>
+          <p:nvPr/>
+        </p:nvPicPr>
+        <p:blipFill>
+          <a:blip r:embed="rId2">
+            <a:extLst>
+              <a:ext uri="{28A0092B-C50C-407E-A947-70E740481C1C}">
+                <a14:useLocalDpi xmlns:a14="http://schemas.microsoft.com/office/drawing/2010/main" val="0"/>
+              </a:ext>
+            </a:extLst>
+          </a:blip>
+          <a:stretch>
+            <a:fillRect/>
+          </a:stretch>
+        </p:blipFill>
+        <p:spPr>
+          <a:xfrm>
+            <a:off x="899070" y="1075217"/>
+            <a:ext cx="6417393" cy="4017288"/>
+          </a:xfrm>
+          <a:prstGeom prst="rect">
+            <a:avLst/>
+          </a:prstGeom>
+        </p:spPr>
+      </p:pic>
+    </p:spTree>
+    <p:extLst>
+      <p:ext uri="{BB962C8B-B14F-4D97-AF65-F5344CB8AC3E}">
+        <p14:creationId xmlns:p14="http://schemas.microsoft.com/office/powerpoint/2010/main" val="4091472546"/>
+      </p:ext>
+    </p:extLst>
+  </p:cSld>
+  <p:clrMapOvr>
+    <a:masterClrMapping/>
+  </p:clrMapOvr>
+</p:sld>
+</file>
+
+<file path=ppt/slides/slide6.xml><?xml version="1.0" encoding="utf-8"?>
+<p:sld xmlns:a="http://schemas.openxmlformats.org/drawingml/2006/main" xmlns:r="http://schemas.openxmlformats.org/officeDocument/2006/relationships" xmlns:p="http://schemas.openxmlformats.org/presentationml/2006/main">
+  <p:cSld>
+    <p:bg>
+      <p:bgPr>
+        <a:gradFill>
+          <a:gsLst>
+            <a:gs pos="0">
+              <a:schemeClr val="accent3">
+                <a:alpha val="40000"/>
+                <a:lumMod val="13000"/>
+                <a:lumOff val="87000"/>
+              </a:schemeClr>
+            </a:gs>
+            <a:gs pos="74000">
+              <a:schemeClr val="accent3">
+                <a:lumMod val="45000"/>
+                <a:lumOff val="55000"/>
+              </a:schemeClr>
+            </a:gs>
+            <a:gs pos="83000">
+              <a:schemeClr val="accent3">
+                <a:lumMod val="45000"/>
+                <a:lumOff val="55000"/>
+              </a:schemeClr>
+            </a:gs>
+            <a:gs pos="100000">
+              <a:schemeClr val="accent3">
+                <a:lumMod val="30000"/>
+                <a:lumOff val="70000"/>
+              </a:schemeClr>
+            </a:gs>
+          </a:gsLst>
+          <a:lin ang="5400000" scaled="1"/>
+        </a:gradFill>
+        <a:effectLst/>
+      </p:bgPr>
+    </p:bg>
+    <p:spTree>
+      <p:nvGrpSpPr>
+        <p:cNvPr id="1" name=""/>
+        <p:cNvGrpSpPr/>
+        <p:nvPr/>
+      </p:nvGrpSpPr>
+      <p:grpSpPr>
+        <a:xfrm>
+          <a:off x="0" y="0"/>
+          <a:ext cx="0" cy="0"/>
+          <a:chOff x="0" y="0"/>
+          <a:chExt cx="0" cy="0"/>
+        </a:xfrm>
+      </p:grpSpPr>
+      <p:sp>
+        <p:nvSpPr>
+          <p:cNvPr id="4" name="CaixaDeTexto 3">
+            <a:extLst>
+              <a:ext uri="{FF2B5EF4-FFF2-40B4-BE49-F238E27FC236}">
+                <a16:creationId xmlns:a16="http://schemas.microsoft.com/office/drawing/2014/main" id="{2B1F3070-9915-47EC-9AC0-50C1FF823667}"/>
+              </a:ext>
+            </a:extLst>
+          </p:cNvPr>
+          <p:cNvSpPr txBox="1"/>
+          <p:nvPr/>
+        </p:nvSpPr>
+        <p:spPr>
+          <a:xfrm>
+            <a:off x="674661" y="2072347"/>
+            <a:ext cx="11067758" cy="3877985"/>
+          </a:xfrm>
+          <a:prstGeom prst="rect">
+            <a:avLst/>
+          </a:prstGeom>
+          <a:noFill/>
+        </p:spPr>
+        <p:txBody>
+          <a:bodyPr wrap="square" rtlCol="0">
+            <a:spAutoFit/>
+          </a:bodyPr>
+          <a:lstStyle/>
+          <a:p>
+            <a:pPr algn="ctr"/>
+            <a:endParaRPr lang="pt-BR" dirty="0"/>
+          </a:p>
+          <a:p>
+            <a:pPr algn="ctr"/>
+            <a:endParaRPr lang="pt-BR" dirty="0"/>
+          </a:p>
+          <a:p>
+            <a:pPr algn="ctr"/>
+            <a:endParaRPr lang="pt-BR" dirty="0"/>
+          </a:p>
+          <a:p>
+            <a:pPr algn="ctr"/>
+            <a:endParaRPr lang="pt-BR" dirty="0"/>
+          </a:p>
+          <a:p>
+            <a:pPr algn="ctr"/>
+            <a:endParaRPr lang="pt-BR" dirty="0"/>
+          </a:p>
+          <a:p>
+            <a:pPr algn="ctr"/>
+            <a:endParaRPr lang="pt-BR" dirty="0"/>
+          </a:p>
+          <a:p>
+            <a:pPr algn="ctr"/>
+            <a:r>
+              <a:rPr lang="pt-BR" sz="5400" dirty="0">
+                <a:latin typeface="Exo 2" panose="00000800000000000000" pitchFamily="50" charset="0"/>
+              </a:rPr>
+              <a:t>Obrigado</a:t>
+            </a:r>
+            <a:r>
+              <a:rPr lang="pt-BR" sz="6000" dirty="0">
+                <a:latin typeface="Exo 2" panose="00000800000000000000" pitchFamily="50" charset="0"/>
+              </a:rPr>
+              <a:t> a todos</a:t>
+            </a:r>
+          </a:p>
+          <a:p>
+            <a:pPr algn="ctr"/>
+            <a:endParaRPr lang="pt-BR" dirty="0"/>
+          </a:p>
+          <a:p>
+            <a:pPr algn="ctr"/>
+            <a:endParaRPr lang="pt-BR" dirty="0"/>
+          </a:p>
+          <a:p>
+            <a:pPr algn="ctr"/>
+            <a:endParaRPr lang="pt-BR" dirty="0"/>
+          </a:p>
+          <a:p>
+            <a:pPr algn="ctr"/>
+            <a:endParaRPr lang="pt-BR" dirty="0"/>
+          </a:p>
+        </p:txBody>
+      </p:sp>
+      <p:pic>
+        <p:nvPicPr>
+          <p:cNvPr id="6" name="Imagem 5" descr="Texto&#10;&#10;Descrição gerada automaticamente">
+            <a:extLst>
+              <a:ext uri="{FF2B5EF4-FFF2-40B4-BE49-F238E27FC236}">
+                <a16:creationId xmlns:a16="http://schemas.microsoft.com/office/drawing/2014/main" id="{27365987-5FFF-4A6D-A33E-50A61CC399F1}"/>
+              </a:ext>
+            </a:extLst>
+          </p:cNvPr>
+          <p:cNvPicPr>
+            <a:picLocks noChangeAspect="1"/>
+          </p:cNvPicPr>
+          <p:nvPr/>
+        </p:nvPicPr>
+        <p:blipFill>
+          <a:blip r:embed="rId2">
+            <a:extLst>
+              <a:ext uri="{28A0092B-C50C-407E-A947-70E740481C1C}">
+                <a14:useLocalDpi xmlns:a14="http://schemas.microsoft.com/office/drawing/2010/main" val="0"/>
+              </a:ext>
+            </a:extLst>
+          </a:blip>
+          <a:stretch>
+            <a:fillRect/>
+          </a:stretch>
+        </p:blipFill>
+        <p:spPr>
+          <a:xfrm>
+            <a:off x="2586695" y="205740"/>
+            <a:ext cx="7018606" cy="3733214"/>
+          </a:xfrm>
+          <a:prstGeom prst="rect">
+            <a:avLst/>
+          </a:prstGeom>
+        </p:spPr>
+      </p:pic>
+    </p:spTree>
+    <p:extLst>
+      <p:ext uri="{BB962C8B-B14F-4D97-AF65-F5344CB8AC3E}">
+        <p14:creationId xmlns:p14="http://schemas.microsoft.com/office/powerpoint/2010/main" val="38637150"/>
       </p:ext>
     </p:extLst>
   </p:cSld>
